--- a/slides/Lecture 07_ Wider NN.pptx
+++ b/slides/Lecture 07_ Wider NN.pptx
@@ -11,8 +11,8 @@
   </p:notesMasterIdLst>
   <p:sldIdLst>
     <p:sldId id="256" r:id="rId4"/>
-    <p:sldId id="278" r:id="rId5"/>
-    <p:sldId id="283" r:id="rId6"/>
+    <p:sldId id="283" r:id="rId5"/>
+    <p:sldId id="278" r:id="rId6"/>
     <p:sldId id="279" r:id="rId7"/>
     <p:sldId id="280" r:id="rId8"/>
     <p:sldId id="281" r:id="rId9"/>
@@ -31165,26 +31165,7 @@
                 <a:cs typeface="Gill Sans"/>
                 <a:sym typeface="Gill Sans"/>
               </a:rPr>
-              <a:t>Hand-written digits</a:t>
-            </a:r>
-            <a:br>
-              <a:rPr lang="en" sz="3400" b="0" i="0" u="none" strike="noStrike" cap="none" dirty="0" smtClean="0">
-                <a:solidFill>
-                  <a:srgbClr val="000000"/>
-                </a:solidFill>
-                <a:latin typeface="Gill Sans"/>
-                <a:ea typeface="Gill Sans"/>
-                <a:cs typeface="Gill Sans"/>
-                <a:sym typeface="Gill Sans"/>
-              </a:rPr>
-            </a:br>
-            <a:r>
-              <a:rPr lang="en" dirty="0" smtClean="0">
-                <a:solidFill>
-                  <a:srgbClr val="0070C0"/>
-                </a:solidFill>
-              </a:rPr>
-              <a:t>Hello world of AI</a:t>
+              <a:t>MNIST dataset size</a:t>
             </a:r>
             <a:endParaRPr dirty="0">
               <a:solidFill>
@@ -31194,38 +31175,94 @@
           </a:p>
         </p:txBody>
       </p:sp>
-      <p:pic>
-        <p:nvPicPr>
-          <p:cNvPr id="2" name="Picture 2"/>
-          <p:cNvPicPr>
-            <a:picLocks noChangeAspect="1" noChangeArrowheads="1"/>
-          </p:cNvPicPr>
+      <p:sp>
+        <p:nvSpPr>
+          <p:cNvPr id="4" name="文字方塊 3"/>
+          <p:cNvSpPr txBox="1"/>
           <p:nvPr/>
-        </p:nvPicPr>
-        <p:blipFill>
-          <a:blip r:embed="rId3"/>
-          <a:srcRect/>
-          <a:stretch>
-            <a:fillRect/>
-          </a:stretch>
-        </p:blipFill>
-        <p:spPr bwMode="auto">
+        </p:nvSpPr>
+        <p:spPr>
           <a:xfrm>
-            <a:off x="1115616" y="1563638"/>
-            <a:ext cx="6796087" cy="2925763"/>
+            <a:off x="1907704" y="1851670"/>
+            <a:ext cx="4896544" cy="1938992"/>
           </a:xfrm>
           <a:prstGeom prst="rect">
             <a:avLst/>
           </a:prstGeom>
           <a:noFill/>
-          <a:ln w="9525">
-            <a:noFill/>
-            <a:miter lim="800000"/>
-            <a:headEnd/>
-            <a:tailEnd/>
-          </a:ln>
         </p:spPr>
-      </p:pic>
+        <p:txBody>
+          <a:bodyPr wrap="square" rtlCol="0">
+            <a:spAutoFit/>
+          </a:bodyPr>
+          <a:lstStyle/>
+          <a:p>
+            <a:pPr marL="342900" indent="-342900">
+              <a:buFont typeface="+mj-lt"/>
+              <a:buAutoNum type="arabicPeriod"/>
+            </a:pPr>
+            <a:r>
+              <a:rPr lang="en-US" altLang="zh-TW" sz="2000" dirty="0" smtClean="0"/>
+              <a:t>60,000 training data images</a:t>
+            </a:r>
+          </a:p>
+          <a:p>
+            <a:pPr marL="342900" indent="-342900">
+              <a:buFont typeface="+mj-lt"/>
+              <a:buAutoNum type="arabicPeriod"/>
+            </a:pPr>
+            <a:r>
+              <a:rPr lang="en-US" altLang="zh-TW" sz="2000" dirty="0" smtClean="0"/>
+              <a:t>10,000 test </a:t>
+            </a:r>
+            <a:r>
+              <a:rPr lang="en-US" altLang="zh-TW" sz="2000" dirty="0" smtClean="0"/>
+              <a:t>data images</a:t>
+            </a:r>
+          </a:p>
+          <a:p>
+            <a:pPr marL="342900" indent="-342900">
+              <a:buFont typeface="+mj-lt"/>
+              <a:buAutoNum type="arabicPeriod"/>
+            </a:pPr>
+            <a:r>
+              <a:rPr lang="en-US" altLang="zh-TW" sz="2000" dirty="0" smtClean="0"/>
+              <a:t>28 x 28 grayscale image</a:t>
+            </a:r>
+          </a:p>
+          <a:p>
+            <a:pPr marL="342900" indent="-342900">
+              <a:buFont typeface="+mj-lt"/>
+              <a:buAutoNum type="arabicPeriod"/>
+            </a:pPr>
+            <a:r>
+              <a:rPr lang="en-US" altLang="zh-TW" sz="2000" dirty="0" smtClean="0"/>
+              <a:t>With labeled </a:t>
+            </a:r>
+          </a:p>
+          <a:p>
+            <a:pPr marL="342900" indent="-342900">
+              <a:buFont typeface="+mj-lt"/>
+              <a:buAutoNum type="arabicPeriod"/>
+            </a:pPr>
+            <a:r>
+              <a:rPr lang="en-US" altLang="zh-TW" sz="2000" dirty="0" smtClean="0"/>
+              <a:t>Very old-school format to download</a:t>
+            </a:r>
+          </a:p>
+          <a:p>
+            <a:pPr marL="342900" indent="-342900">
+              <a:buFont typeface="+mj-lt"/>
+              <a:buAutoNum type="arabicPeriod"/>
+            </a:pPr>
+            <a:r>
+              <a:rPr lang="en-US" altLang="zh-TW" sz="2000" dirty="0" smtClean="0"/>
+              <a:t>Most of the frameworks include it</a:t>
+            </a:r>
+            <a:endParaRPr lang="zh-TW" altLang="en-US" sz="2000" dirty="0"/>
+          </a:p>
+        </p:txBody>
+      </p:sp>
     </p:spTree>
   </p:cSld>
   <p:clrMapOvr>
@@ -37436,7 +37473,26 @@
                 <a:cs typeface="Gill Sans"/>
                 <a:sym typeface="Gill Sans"/>
               </a:rPr>
-              <a:t>MNIST dataset size</a:t>
+              <a:t>Hand-written digits</a:t>
+            </a:r>
+            <a:br>
+              <a:rPr lang="en" sz="3400" b="0" i="0" u="none" strike="noStrike" cap="none" dirty="0" smtClean="0">
+                <a:solidFill>
+                  <a:srgbClr val="000000"/>
+                </a:solidFill>
+                <a:latin typeface="Gill Sans"/>
+                <a:ea typeface="Gill Sans"/>
+                <a:cs typeface="Gill Sans"/>
+                <a:sym typeface="Gill Sans"/>
+              </a:rPr>
+            </a:br>
+            <a:r>
+              <a:rPr lang="en" dirty="0" smtClean="0">
+                <a:solidFill>
+                  <a:srgbClr val="0070C0"/>
+                </a:solidFill>
+              </a:rPr>
+              <a:t>Hello world of AI</a:t>
             </a:r>
             <a:endParaRPr dirty="0">
               <a:solidFill>
@@ -37446,98 +37502,38 @@
           </a:p>
         </p:txBody>
       </p:sp>
-      <p:sp>
-        <p:nvSpPr>
-          <p:cNvPr id="4" name="文字方塊 3"/>
-          <p:cNvSpPr txBox="1"/>
+      <p:pic>
+        <p:nvPicPr>
+          <p:cNvPr id="2" name="Picture 2"/>
+          <p:cNvPicPr>
+            <a:picLocks noChangeAspect="1" noChangeArrowheads="1"/>
+          </p:cNvPicPr>
           <p:nvPr/>
-        </p:nvSpPr>
-        <p:spPr>
+        </p:nvPicPr>
+        <p:blipFill>
+          <a:blip r:embed="rId3"/>
+          <a:srcRect/>
+          <a:stretch>
+            <a:fillRect/>
+          </a:stretch>
+        </p:blipFill>
+        <p:spPr bwMode="auto">
           <a:xfrm>
-            <a:off x="1907704" y="1851670"/>
-            <a:ext cx="4896544" cy="1938992"/>
+            <a:off x="1115616" y="1563638"/>
+            <a:ext cx="6796087" cy="2925763"/>
           </a:xfrm>
           <a:prstGeom prst="rect">
             <a:avLst/>
           </a:prstGeom>
           <a:noFill/>
+          <a:ln w="9525">
+            <a:noFill/>
+            <a:miter lim="800000"/>
+            <a:headEnd/>
+            <a:tailEnd/>
+          </a:ln>
         </p:spPr>
-        <p:txBody>
-          <a:bodyPr wrap="square" rtlCol="0">
-            <a:spAutoFit/>
-          </a:bodyPr>
-          <a:lstStyle/>
-          <a:p>
-            <a:pPr marL="342900" indent="-342900">
-              <a:buFont typeface="+mj-lt"/>
-              <a:buAutoNum type="arabicPeriod"/>
-            </a:pPr>
-            <a:r>
-              <a:rPr lang="en-US" altLang="zh-TW" sz="2000" dirty="0" smtClean="0"/>
-              <a:t>60,000 training data images</a:t>
-            </a:r>
-          </a:p>
-          <a:p>
-            <a:pPr marL="342900" indent="-342900">
-              <a:buFont typeface="+mj-lt"/>
-              <a:buAutoNum type="arabicPeriod"/>
-            </a:pPr>
-            <a:r>
-              <a:rPr lang="en-US" altLang="zh-TW" sz="2000" dirty="0" smtClean="0"/>
-              <a:t>10,000 test </a:t>
-            </a:r>
-            <a:r>
-              <a:rPr lang="en-US" altLang="zh-TW" sz="2000" dirty="0" smtClean="0"/>
-              <a:t>data images</a:t>
-            </a:r>
-          </a:p>
-          <a:p>
-            <a:pPr marL="342900" indent="-342900">
-              <a:buFont typeface="+mj-lt"/>
-              <a:buAutoNum type="arabicPeriod"/>
-            </a:pPr>
-            <a:r>
-              <a:rPr lang="en-US" altLang="zh-TW" sz="2000" dirty="0" smtClean="0"/>
-              <a:t>28 x 28 grayscale image</a:t>
-            </a:r>
-          </a:p>
-          <a:p>
-            <a:pPr marL="342900" indent="-342900">
-              <a:buFont typeface="+mj-lt"/>
-              <a:buAutoNum type="arabicPeriod"/>
-            </a:pPr>
-            <a:r>
-              <a:rPr lang="en-US" altLang="zh-TW" sz="2000" dirty="0" smtClean="0"/>
-              <a:t>With labeled </a:t>
-            </a:r>
-          </a:p>
-          <a:p>
-            <a:pPr marL="342900" indent="-342900">
-              <a:buFont typeface="+mj-lt"/>
-              <a:buAutoNum type="arabicPeriod"/>
-            </a:pPr>
-            <a:r>
-              <a:rPr lang="en-US" altLang="zh-TW" sz="2000" dirty="0" smtClean="0"/>
-              <a:t>Very old-school format to download</a:t>
-            </a:r>
-          </a:p>
-          <a:p>
-            <a:pPr marL="342900" indent="-342900">
-              <a:buFont typeface="+mj-lt"/>
-              <a:buAutoNum type="arabicPeriod"/>
-            </a:pPr>
-            <a:r>
-              <a:rPr lang="en-US" altLang="zh-TW" sz="2000" dirty="0" smtClean="0"/>
-              <a:t>Most of the frameworks </a:t>
-            </a:r>
-            <a:r>
-              <a:rPr lang="en-US" altLang="zh-TW" sz="2000" smtClean="0"/>
-              <a:t>include it</a:t>
-            </a:r>
-            <a:endParaRPr lang="zh-TW" altLang="en-US" sz="2000" dirty="0"/>
-          </a:p>
-        </p:txBody>
-      </p:sp>
+      </p:pic>
     </p:spTree>
   </p:cSld>
   <p:clrMapOvr>
@@ -37618,7 +37614,7 @@
                 <a:cs typeface="Gill Sans"/>
                 <a:sym typeface="Gill Sans"/>
               </a:rPr>
-              <a:t>Toward Deep Learning</a:t>
+              <a:t>Flatten the 28 x 28 image to </a:t>
             </a:r>
             <a:br>
               <a:rPr lang="en" sz="3400" b="0" i="0" u="none" strike="noStrike" cap="none" dirty="0" smtClean="0">
@@ -37632,12 +37628,8 @@
               </a:rPr>
             </a:br>
             <a:r>
-              <a:rPr lang="en" dirty="0" smtClean="0">
-                <a:solidFill>
-                  <a:srgbClr val="0070C0"/>
-                </a:solidFill>
-              </a:rPr>
-              <a:t>Face recognization</a:t>
+              <a:rPr lang="en" dirty="0" smtClean="0"/>
+              <a:t>a 784 x 1 tensor</a:t>
             </a:r>
             <a:endParaRPr dirty="0">
               <a:solidFill>
@@ -37649,7 +37641,7 @@
       </p:sp>
       <p:pic>
         <p:nvPicPr>
-          <p:cNvPr id="2050" name="Picture 2"/>
+          <p:cNvPr id="2" name="Picture 2"/>
           <p:cNvPicPr>
             <a:picLocks noChangeAspect="1" noChangeArrowheads="1"/>
           </p:cNvPicPr>
@@ -37664,8 +37656,8 @@
         </p:blipFill>
         <p:spPr bwMode="auto">
           <a:xfrm>
-            <a:off x="2267744" y="1635646"/>
-            <a:ext cx="4782393" cy="3153707"/>
+            <a:off x="2195736" y="1707654"/>
+            <a:ext cx="4879702" cy="3106067"/>
           </a:xfrm>
           <a:prstGeom prst="rect">
             <a:avLst/>
